--- a/slides/3 - ML Key Phases.pptx
+++ b/slides/3 - ML Key Phases.pptx
@@ -230,7 +230,7 @@
           <a:p>
             <a:fld id="{A1347FCD-4104-406A-A39B-5BEB4653AB02}" type="datetimeFigureOut">
               <a:rPr lang="en-US" smtClean="0"/>
-              <a:t>6/18/2023</a:t>
+              <a:t>6/22/2023</a:t>
             </a:fld>
             <a:endParaRPr lang="en-US"/>
           </a:p>
@@ -407,7 +407,7 @@
           <a:p>
             <a:fld id="{7E52F6ED-E1D1-40C7-A246-F65D423A4F17}" type="datetimeFigureOut">
               <a:rPr lang="en-US" smtClean="0"/>
-              <a:t>6/18/2023</a:t>
+              <a:t>6/22/2023</a:t>
             </a:fld>
             <a:endParaRPr lang="en-US"/>
           </a:p>
@@ -993,7 +993,7 @@
           <a:p>
             <a:fld id="{8546575E-568F-43AC-B90E-124DEB9485D9}" type="datetime1">
               <a:rPr lang="en-US" smtClean="0"/>
-              <a:t>6/18/2023</a:t>
+              <a:t>6/22/2023</a:t>
             </a:fld>
             <a:endParaRPr lang="en-US"/>
           </a:p>
@@ -1201,7 +1201,7 @@
           <a:p>
             <a:fld id="{C3357083-4168-4D1F-9A76-361D4E1744C2}" type="datetime1">
               <a:rPr lang="en-US" smtClean="0"/>
-              <a:t>6/18/2023</a:t>
+              <a:t>6/22/2023</a:t>
             </a:fld>
             <a:endParaRPr lang="en-US"/>
           </a:p>
@@ -2294,7 +2294,7 @@
           <a:p>
             <a:fld id="{4A09810F-BB01-431F-A36B-01A80F00F9A2}" type="datetime1">
               <a:rPr lang="en-US" smtClean="0"/>
-              <a:t>6/18/2023</a:t>
+              <a:t>6/22/2023</a:t>
             </a:fld>
             <a:endParaRPr lang="en-US"/>
           </a:p>
@@ -2769,7 +2769,7 @@
           <a:p>
             <a:fld id="{99B6BA1C-0431-441A-9684-27D3820DDA76}" type="datetime1">
               <a:rPr lang="en-US" smtClean="0"/>
-              <a:t>6/18/2023</a:t>
+              <a:t>6/22/2023</a:t>
             </a:fld>
             <a:endParaRPr lang="en-US"/>
           </a:p>
@@ -3057,7 +3057,7 @@
           <a:p>
             <a:fld id="{911AD90E-AE50-48B2-954D-3C61712566FC}" type="datetime1">
               <a:rPr lang="en-US" smtClean="0"/>
-              <a:t>6/18/2023</a:t>
+              <a:t>6/22/2023</a:t>
             </a:fld>
             <a:endParaRPr lang="en-US"/>
           </a:p>
@@ -3298,7 +3298,7 @@
           <a:p>
             <a:fld id="{BC208437-3005-4AE1-B600-AE18E1986B0F}" type="datetime1">
               <a:rPr lang="en-US" smtClean="0"/>
-              <a:t>6/18/2023</a:t>
+              <a:t>6/22/2023</a:t>
             </a:fld>
             <a:endParaRPr lang="en-US"/>
           </a:p>
@@ -5328,42 +5328,6 @@
           </a:p>
         </p:txBody>
       </p:sp>
-      <p:pic>
-        <p:nvPicPr>
-          <p:cNvPr id="5" name="Picture 4" descr="A picture containing human face, glasses, text, person&#10;&#10;Description automatically generated">
-            <a:extLst>
-              <a:ext uri="{FF2B5EF4-FFF2-40B4-BE49-F238E27FC236}">
-                <a16:creationId xmlns:a16="http://schemas.microsoft.com/office/drawing/2014/main" id="{10F4D4F3-809C-A3ED-4E62-975C260538F7}"/>
-              </a:ext>
-            </a:extLst>
-          </p:cNvPr>
-          <p:cNvPicPr>
-            <a:picLocks noChangeAspect="1"/>
-          </p:cNvPicPr>
-          <p:nvPr/>
-        </p:nvPicPr>
-        <p:blipFill>
-          <a:blip r:embed="rId2">
-            <a:extLst>
-              <a:ext uri="{28A0092B-C50C-407E-A947-70E740481C1C}">
-                <a14:useLocalDpi xmlns:a14="http://schemas.microsoft.com/office/drawing/2010/main" val="0"/>
-              </a:ext>
-            </a:extLst>
-          </a:blip>
-          <a:stretch>
-            <a:fillRect/>
-          </a:stretch>
-        </p:blipFill>
-        <p:spPr>
-          <a:xfrm>
-            <a:off x="6425695" y="3681045"/>
-            <a:ext cx="4155972" cy="3120236"/>
-          </a:xfrm>
-          <a:prstGeom prst="rect">
-            <a:avLst/>
-          </a:prstGeom>
-        </p:spPr>
-      </p:pic>
     </p:spTree>
     <p:extLst>
       <p:ext uri="{BB962C8B-B14F-4D97-AF65-F5344CB8AC3E}">
